--- a/P7_01_presentation.pptx
+++ b/P7_01_presentation.pptx
@@ -126,6 +126,11 @@
       </a:defRPr>
     </a:lvl9pPr>
   </p:defaultTextStyle>
+  <p:extLst>
+    <p:ext uri="{EFAFB233-063F-42B5-8137-9DF3F51BA10A}">
+      <p15:sldGuideLst xmlns:p15="http://schemas.microsoft.com/office/powerpoint/2012/main"/>
+    </p:ext>
+  </p:extLst>
 </p:presentation>
 </file>
 
@@ -211,7 +216,7 @@
           <a:p>
             <a:fld id="{0BD65044-C79A-4855-BE9F-A3D903091492}" type="datetimeFigureOut">
               <a:rPr lang="fr-FR" smtClean="0"/>
-              <a:t>10/11/2021</a:t>
+              <a:t>11/11/2021</a:t>
             </a:fld>
             <a:endParaRPr lang="fr-FR"/>
           </a:p>
@@ -814,7 +819,7 @@
           <a:p>
             <a:fld id="{1A3903BB-173D-46A6-9BE3-74A3FBC096B1}" type="datetime1">
               <a:rPr lang="fr-FR" smtClean="0"/>
-              <a:t>10/11/2021</a:t>
+              <a:t>11/11/2021</a:t>
             </a:fld>
             <a:endParaRPr lang="fr-FR"/>
           </a:p>
@@ -1902,7 +1907,7 @@
           <a:p>
             <a:fld id="{7B7ADEBE-A1B6-471B-9410-915725EA9EE3}" type="datetime1">
               <a:rPr lang="fr-FR" smtClean="0"/>
-              <a:t>10/11/2021</a:t>
+              <a:t>11/11/2021</a:t>
             </a:fld>
             <a:endParaRPr lang="fr-FR"/>
           </a:p>
@@ -2882,7 +2887,7 @@
           <a:p>
             <a:fld id="{7510288E-C8D2-43CF-A0EA-27E603428730}" type="datetime1">
               <a:rPr lang="fr-FR" smtClean="0"/>
-              <a:t>10/11/2021</a:t>
+              <a:t>11/11/2021</a:t>
             </a:fld>
             <a:endParaRPr lang="fr-FR"/>
           </a:p>
@@ -4016,7 +4021,7 @@
           <a:p>
             <a:fld id="{E5D72818-5956-4C80-AF18-EAC0634BE73F}" type="datetime1">
               <a:rPr lang="fr-FR" smtClean="0"/>
-              <a:t>10/11/2021</a:t>
+              <a:t>11/11/2021</a:t>
             </a:fld>
             <a:endParaRPr lang="fr-FR"/>
           </a:p>
@@ -5049,7 +5054,7 @@
           <a:p>
             <a:fld id="{B2596D68-E671-4C91-8B31-D91DD65D00B7}" type="datetime1">
               <a:rPr lang="fr-FR" smtClean="0"/>
-              <a:t>10/11/2021</a:t>
+              <a:t>11/11/2021</a:t>
             </a:fld>
             <a:endParaRPr lang="fr-FR"/>
           </a:p>
@@ -5709,7 +5714,7 @@
           <a:p>
             <a:fld id="{F7AC290E-B364-4AF0-AD2E-9FD25991060B}" type="datetime1">
               <a:rPr lang="fr-FR" smtClean="0"/>
-              <a:t>10/11/2021</a:t>
+              <a:t>11/11/2021</a:t>
             </a:fld>
             <a:endParaRPr lang="fr-FR"/>
           </a:p>
@@ -6570,7 +6575,7 @@
           <a:p>
             <a:fld id="{56D1EFD2-EC2A-4256-A4EC-C73ABEBC05EF}" type="datetime1">
               <a:rPr lang="fr-FR" smtClean="0"/>
-              <a:t>10/11/2021</a:t>
+              <a:t>11/11/2021</a:t>
             </a:fld>
             <a:endParaRPr lang="fr-FR"/>
           </a:p>
@@ -6760,7 +6765,7 @@
           <a:p>
             <a:fld id="{244191CA-D411-4141-9FCF-F05B36465ED4}" type="datetime1">
               <a:rPr lang="fr-FR" smtClean="0"/>
-              <a:t>10/11/2021</a:t>
+              <a:t>11/11/2021</a:t>
             </a:fld>
             <a:endParaRPr lang="fr-FR"/>
           </a:p>
@@ -7732,7 +7737,7 @@
           <a:p>
             <a:fld id="{CA7AE6C1-4855-4350-96B4-AAD9D7659B9C}" type="datetime1">
               <a:rPr lang="fr-FR" smtClean="0"/>
-              <a:t>10/11/2021</a:t>
+              <a:t>11/11/2021</a:t>
             </a:fld>
             <a:endParaRPr lang="fr-FR"/>
           </a:p>
@@ -7943,7 +7948,7 @@
           <a:p>
             <a:fld id="{1603F55F-B11D-440A-8394-5686DD8D9F4F}" type="datetime1">
               <a:rPr lang="fr-FR" smtClean="0"/>
-              <a:t>10/11/2021</a:t>
+              <a:t>11/11/2021</a:t>
             </a:fld>
             <a:endParaRPr lang="fr-FR"/>
           </a:p>
@@ -8977,7 +8982,7 @@
           <a:p>
             <a:fld id="{168CF609-15C2-4A5F-816B-F03F0AF72A58}" type="datetime1">
               <a:rPr lang="fr-FR" smtClean="0"/>
-              <a:t>10/11/2021</a:t>
+              <a:t>11/11/2021</a:t>
             </a:fld>
             <a:endParaRPr lang="fr-FR"/>
           </a:p>
@@ -9249,7 +9254,7 @@
           <a:p>
             <a:fld id="{81C6CF6D-39D8-4668-B48A-66E0F5309891}" type="datetime1">
               <a:rPr lang="fr-FR" smtClean="0"/>
-              <a:t>10/11/2021</a:t>
+              <a:t>11/11/2021</a:t>
             </a:fld>
             <a:endParaRPr lang="fr-FR"/>
           </a:p>
@@ -9659,7 +9664,7 @@
           <a:p>
             <a:fld id="{FD87D490-B170-4DE5-9CD4-933913BE22A9}" type="datetime1">
               <a:rPr lang="fr-FR" smtClean="0"/>
-              <a:t>10/11/2021</a:t>
+              <a:t>11/11/2021</a:t>
             </a:fld>
             <a:endParaRPr lang="fr-FR"/>
           </a:p>
@@ -9786,7 +9791,7 @@
           <a:p>
             <a:fld id="{71FDE3D9-37A3-4280-9A26-86766529D6A7}" type="datetime1">
               <a:rPr lang="fr-FR" smtClean="0"/>
-              <a:t>10/11/2021</a:t>
+              <a:t>11/11/2021</a:t>
             </a:fld>
             <a:endParaRPr lang="fr-FR"/>
           </a:p>
@@ -9881,7 +9886,7 @@
           <a:p>
             <a:fld id="{29C28E5A-73D7-434D-B46E-7ACFC5ACDAC9}" type="datetime1">
               <a:rPr lang="fr-FR" smtClean="0"/>
-              <a:t>10/11/2021</a:t>
+              <a:t>11/11/2021</a:t>
             </a:fld>
             <a:endParaRPr lang="fr-FR"/>
           </a:p>
@@ -10962,7 +10967,7 @@
           <a:p>
             <a:fld id="{446E142E-71CC-465C-BE19-A8E370C144CA}" type="datetime1">
               <a:rPr lang="fr-FR" smtClean="0"/>
-              <a:t>10/11/2021</a:t>
+              <a:t>11/11/2021</a:t>
             </a:fld>
             <a:endParaRPr lang="fr-FR"/>
           </a:p>
@@ -12070,7 +12075,7 @@
           <a:p>
             <a:fld id="{3DC0209E-EF37-467F-9D50-DD22F973D48D}" type="datetime1">
               <a:rPr lang="fr-FR" smtClean="0"/>
-              <a:t>10/11/2021</a:t>
+              <a:t>11/11/2021</a:t>
             </a:fld>
             <a:endParaRPr lang="fr-FR"/>
           </a:p>
@@ -13067,7 +13072,7 @@
           <a:p>
             <a:fld id="{001D8EBA-1A2E-462C-9FFF-D54C99684A75}" type="datetime1">
               <a:rPr lang="fr-FR" smtClean="0"/>
-              <a:t>10/11/2021</a:t>
+              <a:t>11/11/2021</a:t>
             </a:fld>
             <a:endParaRPr lang="fr-FR"/>
           </a:p>
@@ -17933,7 +17938,15 @@
           <a:p>
             <a:r>
               <a:rPr lang="fr-FR" dirty="0"/>
-              <a:t>Les textes sont vectorisés, c’est-à-dire transformés en vecteurs de dimension égale à la taille du vocabulaire.</a:t>
+              <a:t>Les données sont représentées en bag-of-</a:t>
+            </a:r>
+            <a:r>
+              <a:rPr lang="fr-FR" dirty="0" err="1"/>
+              <a:t>words</a:t>
+            </a:r>
+            <a:r>
+              <a:rPr lang="fr-FR" dirty="0"/>
+              <a:t>, c’est-à-dire transformés en vecteurs de dimension égale à la taille du vocabulaire.</a:t>
             </a:r>
           </a:p>
           <a:p>

--- a/P7_01_presentation.pptx
+++ b/P7_01_presentation.pptx
@@ -13663,21 +13663,8 @@
             </a:r>
             <a:r>
               <a:rPr lang="fr-FR" dirty="0"/>
-              <a:t> buzz </a:t>
-            </a:r>
-            <a:r>
-              <a:rPr lang="fr-FR" dirty="0" err="1"/>
-              <a:t>grace</a:t>
-            </a:r>
-            <a:r>
-              <a:rPr lang="fr-FR" dirty="0"/>
-              <a:t> au </a:t>
-            </a:r>
-            <a:r>
-              <a:rPr lang="fr-FR" dirty="0" err="1"/>
-              <a:t>Deeplearning</a:t>
-            </a:r>
-            <a:endParaRPr lang="fr-FR" dirty="0"/>
+              <a:t> buzz grâce au Deep Learning</a:t>
+            </a:r>
           </a:p>
         </p:txBody>
       </p:sp>
@@ -14207,39 +14194,7 @@
             </a:r>
             <a:r>
               <a:rPr lang="en-US" dirty="0"/>
-              <a:t> sur un dataset semblable. Le </a:t>
-            </a:r>
-            <a:r>
-              <a:rPr lang="en-US" dirty="0" err="1"/>
-              <a:t>lexique</a:t>
-            </a:r>
-            <a:r>
-              <a:rPr lang="en-US" dirty="0"/>
-              <a:t> </a:t>
-            </a:r>
-            <a:r>
-              <a:rPr lang="en-US" dirty="0" err="1"/>
-              <a:t>commun</a:t>
-            </a:r>
-            <a:r>
-              <a:rPr lang="en-US" dirty="0"/>
-              <a:t> </a:t>
-            </a:r>
-            <a:r>
-              <a:rPr lang="en-US" dirty="0" err="1"/>
-              <a:t>est</a:t>
-            </a:r>
-            <a:r>
-              <a:rPr lang="en-US" dirty="0"/>
-              <a:t> </a:t>
-            </a:r>
-            <a:r>
-              <a:rPr lang="en-US" dirty="0" err="1"/>
-              <a:t>d’environ</a:t>
-            </a:r>
-            <a:r>
-              <a:rPr lang="en-US" dirty="0"/>
-              <a:t> 200 000 mots.</a:t>
+              <a:t> sur un dataset semblable.</a:t>
             </a:r>
             <a:endParaRPr lang="fr-FR" dirty="0"/>
           </a:p>
@@ -16317,7 +16272,7 @@
           <a:p>
             <a:r>
               <a:rPr lang="fr-FR" dirty="0"/>
-              <a:t>Cette API n’est pas open-source. Il s’agit d’un service permettant de faire l’analyse de sentiment de documents. Elle effectue un classification en selon trois catégories: positif, neutre et négatif.</a:t>
+              <a:t>Il s’agit d’un service permettant de faire l’analyse de sentiment de documents. Elle effectue un classification en selon trois catégories: positif, neutre et négatif.</a:t>
             </a:r>
           </a:p>
           <a:p>
